--- a/APSSDC Project ppt.pptx
+++ b/APSSDC Project ppt.pptx
@@ -6419,31 +6419,6 @@
           </a:p>
         </p:txBody>
       </p:sp>
-      <p:pic>
-        <p:nvPicPr>
-          <p:cNvPr id="8" name="Picture 7"/>
-          <p:cNvPicPr>
-            <a:picLocks noChangeAspect="1"/>
-          </p:cNvPicPr>
-          <p:nvPr/>
-        </p:nvPicPr>
-        <p:blipFill rotWithShape="1">
-          <a:blip r:embed="rId1"/>
-          <a:srcRect l="27780" t="37277" r="26039" b="30521"/>
-          <a:stretch>
-            <a:fillRect/>
-          </a:stretch>
-        </p:blipFill>
-        <p:spPr>
-          <a:xfrm>
-            <a:off x="9292455" y="1894113"/>
-            <a:ext cx="2184828" cy="2370326"/>
-          </a:xfrm>
-          <a:prstGeom prst="rect">
-            <a:avLst/>
-          </a:prstGeom>
-        </p:spPr>
-      </p:pic>
       <p:sp>
         <p:nvSpPr>
           <p:cNvPr id="4" name="TextBox 3"/>
@@ -6497,7 +6472,7 @@
           <p:nvPr/>
         </p:nvPicPr>
         <p:blipFill>
-          <a:blip r:embed="rId2"/>
+          <a:blip r:embed="rId1"/>
           <a:stretch>
             <a:fillRect/>
           </a:stretch>
